--- a/analyses/thread_strength/THREAD_lineplots.pptx
+++ b/analyses/thread_strength/THREAD_lineplots.pptx
@@ -112,6 +112,203 @@
 </p:presentation>
 </file>
 
+<file path=ppt/revisionInfo.xml><?xml version="1.0" encoding="utf-8"?>
+<p1510:revInfo xmlns:a="http://schemas.openxmlformats.org/drawingml/2006/main" xmlns:r="http://schemas.openxmlformats.org/officeDocument/2006/relationships" xmlns:p1510="http://schemas.microsoft.com/office/powerpoint/2015/10/main">
+  <p1510:revLst>
+    <p1510:client id="{7A853DF2-E446-4717-A34A-FD00309D12D6}" v="12" dt="2024-10-31T01:36:28.351"/>
+  </p1510:revLst>
+</p1510:revInfo>
+</file>
+
+<file path=ppt/changesInfos/changesInfo1.xml><?xml version="1.0" encoding="utf-8"?>
+<pc:chgInfo xmlns:a="http://schemas.openxmlformats.org/drawingml/2006/main" xmlns:r="http://schemas.openxmlformats.org/officeDocument/2006/relationships" xmlns:ac="http://schemas.microsoft.com/office/drawing/2013/main/command" xmlns:pc="http://schemas.microsoft.com/office/powerpoint/2013/main/command">
+  <pc:docChgLst>
+    <pc:chgData name="George, Matthew (DFW)" userId="8ba433ef-8e18-4348-89a6-fb3bb26ec9f1" providerId="ADAL" clId="{7A853DF2-E446-4717-A34A-FD00309D12D6}"/>
+    <pc:docChg chg="undo custSel modSld">
+      <pc:chgData name="George, Matthew (DFW)" userId="8ba433ef-8e18-4348-89a6-fb3bb26ec9f1" providerId="ADAL" clId="{7A853DF2-E446-4717-A34A-FD00309D12D6}" dt="2024-10-31T01:38:10.307" v="314" actId="20577"/>
+      <pc:docMkLst>
+        <pc:docMk/>
+      </pc:docMkLst>
+      <pc:sldChg chg="addSp delSp modSp mod">
+        <pc:chgData name="George, Matthew (DFW)" userId="8ba433ef-8e18-4348-89a6-fb3bb26ec9f1" providerId="ADAL" clId="{7A853DF2-E446-4717-A34A-FD00309D12D6}" dt="2024-10-31T01:38:10.307" v="314" actId="20577"/>
+        <pc:sldMkLst>
+          <pc:docMk/>
+          <pc:sldMk cId="173540066" sldId="256"/>
+        </pc:sldMkLst>
+        <pc:spChg chg="del mod">
+          <ac:chgData name="George, Matthew (DFW)" userId="8ba433ef-8e18-4348-89a6-fb3bb26ec9f1" providerId="ADAL" clId="{7A853DF2-E446-4717-A34A-FD00309D12D6}" dt="2024-10-31T01:32:34.219" v="241" actId="478"/>
+          <ac:spMkLst>
+            <pc:docMk/>
+            <pc:sldMk cId="173540066" sldId="256"/>
+            <ac:spMk id="14" creationId="{992DFD67-7687-D7B7-29FF-0F94035B0148}"/>
+          </ac:spMkLst>
+        </pc:spChg>
+        <pc:spChg chg="mod">
+          <ac:chgData name="George, Matthew (DFW)" userId="8ba433ef-8e18-4348-89a6-fb3bb26ec9f1" providerId="ADAL" clId="{7A853DF2-E446-4717-A34A-FD00309D12D6}" dt="2024-10-31T00:55:58.854" v="33" actId="1076"/>
+          <ac:spMkLst>
+            <pc:docMk/>
+            <pc:sldMk cId="173540066" sldId="256"/>
+            <ac:spMk id="20" creationId="{E7D72052-FE19-A1C2-4BD4-6A1469C512ED}"/>
+          </ac:spMkLst>
+        </pc:spChg>
+        <pc:spChg chg="mod">
+          <ac:chgData name="George, Matthew (DFW)" userId="8ba433ef-8e18-4348-89a6-fb3bb26ec9f1" providerId="ADAL" clId="{7A853DF2-E446-4717-A34A-FD00309D12D6}" dt="2024-10-31T00:55:58.854" v="33" actId="1076"/>
+          <ac:spMkLst>
+            <pc:docMk/>
+            <pc:sldMk cId="173540066" sldId="256"/>
+            <ac:spMk id="21" creationId="{28D95617-4C79-237F-F373-76B8FF11D761}"/>
+          </ac:spMkLst>
+        </pc:spChg>
+        <pc:spChg chg="add del mod">
+          <ac:chgData name="George, Matthew (DFW)" userId="8ba433ef-8e18-4348-89a6-fb3bb26ec9f1" providerId="ADAL" clId="{7A853DF2-E446-4717-A34A-FD00309D12D6}" dt="2024-10-31T01:20:57.342" v="191" actId="478"/>
+          <ac:spMkLst>
+            <pc:docMk/>
+            <pc:sldMk cId="173540066" sldId="256"/>
+            <ac:spMk id="22" creationId="{645CA3A6-083B-ABD6-C8F6-0E4F4920F54B}"/>
+          </ac:spMkLst>
+        </pc:spChg>
+        <pc:spChg chg="mod">
+          <ac:chgData name="George, Matthew (DFW)" userId="8ba433ef-8e18-4348-89a6-fb3bb26ec9f1" providerId="ADAL" clId="{7A853DF2-E446-4717-A34A-FD00309D12D6}" dt="2024-10-31T01:34:37.622" v="281" actId="20577"/>
+          <ac:spMkLst>
+            <pc:docMk/>
+            <pc:sldMk cId="173540066" sldId="256"/>
+            <ac:spMk id="23" creationId="{A9957E33-0647-461E-8583-582C1B2C2661}"/>
+          </ac:spMkLst>
+        </pc:spChg>
+        <pc:spChg chg="add del mod">
+          <ac:chgData name="George, Matthew (DFW)" userId="8ba433ef-8e18-4348-89a6-fb3bb26ec9f1" providerId="ADAL" clId="{7A853DF2-E446-4717-A34A-FD00309D12D6}" dt="2024-10-31T01:21:07.127" v="194" actId="478"/>
+          <ac:spMkLst>
+            <pc:docMk/>
+            <pc:sldMk cId="173540066" sldId="256"/>
+            <ac:spMk id="24" creationId="{8D61E755-C405-4FEA-1F96-4973D61B5D4D}"/>
+          </ac:spMkLst>
+        </pc:spChg>
+        <pc:spChg chg="mod">
+          <ac:chgData name="George, Matthew (DFW)" userId="8ba433ef-8e18-4348-89a6-fb3bb26ec9f1" providerId="ADAL" clId="{7A853DF2-E446-4717-A34A-FD00309D12D6}" dt="2024-10-31T00:56:36.697" v="39" actId="1076"/>
+          <ac:spMkLst>
+            <pc:docMk/>
+            <pc:sldMk cId="173540066" sldId="256"/>
+            <ac:spMk id="26" creationId="{59DEA836-D44C-40CC-B21A-48478406AC02}"/>
+          </ac:spMkLst>
+        </pc:spChg>
+        <pc:spChg chg="mod">
+          <ac:chgData name="George, Matthew (DFW)" userId="8ba433ef-8e18-4348-89a6-fb3bb26ec9f1" providerId="ADAL" clId="{7A853DF2-E446-4717-A34A-FD00309D12D6}" dt="2024-10-31T00:56:27.842" v="38" actId="1076"/>
+          <ac:spMkLst>
+            <pc:docMk/>
+            <pc:sldMk cId="173540066" sldId="256"/>
+            <ac:spMk id="27" creationId="{7A9F455B-621D-40E1-89EE-5CBDFB741A92}"/>
+          </ac:spMkLst>
+        </pc:spChg>
+        <pc:spChg chg="mod">
+          <ac:chgData name="George, Matthew (DFW)" userId="8ba433ef-8e18-4348-89a6-fb3bb26ec9f1" providerId="ADAL" clId="{7A853DF2-E446-4717-A34A-FD00309D12D6}" dt="2024-10-31T00:56:40.503" v="40" actId="1076"/>
+          <ac:spMkLst>
+            <pc:docMk/>
+            <pc:sldMk cId="173540066" sldId="256"/>
+            <ac:spMk id="28" creationId="{715D529A-204E-44A9-8BF9-EB26822B2D77}"/>
+          </ac:spMkLst>
+        </pc:spChg>
+        <pc:spChg chg="add del mod">
+          <ac:chgData name="George, Matthew (DFW)" userId="8ba433ef-8e18-4348-89a6-fb3bb26ec9f1" providerId="ADAL" clId="{7A853DF2-E446-4717-A34A-FD00309D12D6}" dt="2024-10-31T01:34:43.887" v="282" actId="478"/>
+          <ac:spMkLst>
+            <pc:docMk/>
+            <pc:sldMk cId="173540066" sldId="256"/>
+            <ac:spMk id="29" creationId="{897C3D9F-5383-DD3F-30D4-F86CF2B4397B}"/>
+          </ac:spMkLst>
+        </pc:spChg>
+        <pc:spChg chg="add mod">
+          <ac:chgData name="George, Matthew (DFW)" userId="8ba433ef-8e18-4348-89a6-fb3bb26ec9f1" providerId="ADAL" clId="{7A853DF2-E446-4717-A34A-FD00309D12D6}" dt="2024-10-31T01:22:46.288" v="214" actId="6549"/>
+          <ac:spMkLst>
+            <pc:docMk/>
+            <pc:sldMk cId="173540066" sldId="256"/>
+            <ac:spMk id="30" creationId="{9B5DD6F3-8733-B698-512B-3EB4C0D48A28}"/>
+          </ac:spMkLst>
+        </pc:spChg>
+        <pc:spChg chg="add mod">
+          <ac:chgData name="George, Matthew (DFW)" userId="8ba433ef-8e18-4348-89a6-fb3bb26ec9f1" providerId="ADAL" clId="{7A853DF2-E446-4717-A34A-FD00309D12D6}" dt="2024-10-31T01:38:10.307" v="314" actId="20577"/>
+          <ac:spMkLst>
+            <pc:docMk/>
+            <pc:sldMk cId="173540066" sldId="256"/>
+            <ac:spMk id="31" creationId="{71EE7C83-30A1-F2DF-4FA2-A7E7896950B7}"/>
+          </ac:spMkLst>
+        </pc:spChg>
+        <pc:spChg chg="add mod">
+          <ac:chgData name="George, Matthew (DFW)" userId="8ba433ef-8e18-4348-89a6-fb3bb26ec9f1" providerId="ADAL" clId="{7A853DF2-E446-4717-A34A-FD00309D12D6}" dt="2024-10-31T01:37:01.447" v="310" actId="20577"/>
+          <ac:spMkLst>
+            <pc:docMk/>
+            <pc:sldMk cId="173540066" sldId="256"/>
+            <ac:spMk id="32" creationId="{BBD529CD-3430-6989-3AFD-79AF633B6733}"/>
+          </ac:spMkLst>
+        </pc:spChg>
+        <pc:picChg chg="add del mod ord modCrop">
+          <ac:chgData name="George, Matthew (DFW)" userId="8ba433ef-8e18-4348-89a6-fb3bb26ec9f1" providerId="ADAL" clId="{7A853DF2-E446-4717-A34A-FD00309D12D6}" dt="2024-10-31T01:31:57.524" v="226" actId="478"/>
+          <ac:picMkLst>
+            <pc:docMk/>
+            <pc:sldMk cId="173540066" sldId="256"/>
+            <ac:picMk id="6" creationId="{494E0DF2-FC58-E6F4-FFE9-552EE374728D}"/>
+          </ac:picMkLst>
+        </pc:picChg>
+        <pc:picChg chg="add mod ord">
+          <ac:chgData name="George, Matthew (DFW)" userId="8ba433ef-8e18-4348-89a6-fb3bb26ec9f1" providerId="ADAL" clId="{7A853DF2-E446-4717-A34A-FD00309D12D6}" dt="2024-10-31T01:33:10.929" v="249" actId="12789"/>
+          <ac:picMkLst>
+            <pc:docMk/>
+            <pc:sldMk cId="173540066" sldId="256"/>
+            <ac:picMk id="7" creationId="{EE46095F-04B3-5CF1-9965-38FB7A632AC7}"/>
+          </ac:picMkLst>
+        </pc:picChg>
+        <pc:picChg chg="add del mod modCrop">
+          <ac:chgData name="George, Matthew (DFW)" userId="8ba433ef-8e18-4348-89a6-fb3bb26ec9f1" providerId="ADAL" clId="{7A853DF2-E446-4717-A34A-FD00309D12D6}" dt="2024-10-31T01:32:23.936" v="236" actId="478"/>
+          <ac:picMkLst>
+            <pc:docMk/>
+            <pc:sldMk cId="173540066" sldId="256"/>
+            <ac:picMk id="8" creationId="{692F6F50-C196-81FA-1ACE-8777CC58A4F9}"/>
+          </ac:picMkLst>
+        </pc:picChg>
+        <pc:picChg chg="add mod modCrop">
+          <ac:chgData name="George, Matthew (DFW)" userId="8ba433ef-8e18-4348-89a6-fb3bb26ec9f1" providerId="ADAL" clId="{7A853DF2-E446-4717-A34A-FD00309D12D6}" dt="2024-10-31T00:56:03.930" v="34" actId="732"/>
+          <ac:picMkLst>
+            <pc:docMk/>
+            <pc:sldMk cId="173540066" sldId="256"/>
+            <ac:picMk id="10" creationId="{9E6C30F1-5E78-11F1-A2D1-A901F89D66BB}"/>
+          </ac:picMkLst>
+        </pc:picChg>
+        <pc:picChg chg="add mod ord modCrop">
+          <ac:chgData name="George, Matthew (DFW)" userId="8ba433ef-8e18-4348-89a6-fb3bb26ec9f1" providerId="ADAL" clId="{7A853DF2-E446-4717-A34A-FD00309D12D6}" dt="2024-10-31T01:33:10.929" v="249" actId="12789"/>
+          <ac:picMkLst>
+            <pc:docMk/>
+            <pc:sldMk cId="173540066" sldId="256"/>
+            <ac:picMk id="11" creationId="{220EFA04-11B9-4060-7DFB-44ABF96FB404}"/>
+          </ac:picMkLst>
+        </pc:picChg>
+        <pc:picChg chg="del">
+          <ac:chgData name="George, Matthew (DFW)" userId="8ba433ef-8e18-4348-89a6-fb3bb26ec9f1" providerId="ADAL" clId="{7A853DF2-E446-4717-A34A-FD00309D12D6}" dt="2024-10-31T00:47:20.075" v="7" actId="478"/>
+          <ac:picMkLst>
+            <pc:docMk/>
+            <pc:sldMk cId="173540066" sldId="256"/>
+            <ac:picMk id="11" creationId="{291A8130-6896-83AC-3223-EAEA07D5D15E}"/>
+          </ac:picMkLst>
+        </pc:picChg>
+        <pc:picChg chg="del">
+          <ac:chgData name="George, Matthew (DFW)" userId="8ba433ef-8e18-4348-89a6-fb3bb26ec9f1" providerId="ADAL" clId="{7A853DF2-E446-4717-A34A-FD00309D12D6}" dt="2024-10-31T01:32:25.267" v="237" actId="478"/>
+          <ac:picMkLst>
+            <pc:docMk/>
+            <pc:sldMk cId="173540066" sldId="256"/>
+            <ac:picMk id="12" creationId="{CC870978-00CA-1752-F3A1-C07A1DBD2559}"/>
+          </ac:picMkLst>
+        </pc:picChg>
+        <pc:picChg chg="add mod modCrop">
+          <ac:chgData name="George, Matthew (DFW)" userId="8ba433ef-8e18-4348-89a6-fb3bb26ec9f1" providerId="ADAL" clId="{7A853DF2-E446-4717-A34A-FD00309D12D6}" dt="2024-10-31T01:33:17.472" v="250" actId="732"/>
+          <ac:picMkLst>
+            <pc:docMk/>
+            <pc:sldMk cId="173540066" sldId="256"/>
+            <ac:picMk id="24" creationId="{6E7EDCCC-611F-FFBF-FBA0-E758B142B85B}"/>
+          </ac:picMkLst>
+        </pc:picChg>
+      </pc:sldChg>
+    </pc:docChg>
+  </pc:docChgLst>
+</pc:chgInfo>
+</file>
+
 <file path=ppt/slideLayouts/slideLayout1.xml><?xml version="1.0" encoding="utf-8"?>
 <p:sldLayout xmlns:a="http://schemas.openxmlformats.org/drawingml/2006/main" xmlns:r="http://schemas.openxmlformats.org/officeDocument/2006/relationships" xmlns:p="http://schemas.openxmlformats.org/presentationml/2006/main" type="title" preserve="1">
   <p:cSld name="Title Slide">
@@ -243,7 +440,7 @@
           <a:p>
             <a:fld id="{A89855A6-DD4B-4241-986F-CCA37C16A694}" type="datetimeFigureOut">
               <a:rPr lang="en-US" smtClean="0"/>
-              <a:t>5/15/2023</a:t>
+              <a:t>10/30/2024</a:t>
             </a:fld>
             <a:endParaRPr lang="en-US"/>
           </a:p>
@@ -413,7 +610,7 @@
           <a:p>
             <a:fld id="{A89855A6-DD4B-4241-986F-CCA37C16A694}" type="datetimeFigureOut">
               <a:rPr lang="en-US" smtClean="0"/>
-              <a:t>5/15/2023</a:t>
+              <a:t>10/30/2024</a:t>
             </a:fld>
             <a:endParaRPr lang="en-US"/>
           </a:p>
@@ -593,7 +790,7 @@
           <a:p>
             <a:fld id="{A89855A6-DD4B-4241-986F-CCA37C16A694}" type="datetimeFigureOut">
               <a:rPr lang="en-US" smtClean="0"/>
-              <a:t>5/15/2023</a:t>
+              <a:t>10/30/2024</a:t>
             </a:fld>
             <a:endParaRPr lang="en-US"/>
           </a:p>
@@ -763,7 +960,7 @@
           <a:p>
             <a:fld id="{A89855A6-DD4B-4241-986F-CCA37C16A694}" type="datetimeFigureOut">
               <a:rPr lang="en-US" smtClean="0"/>
-              <a:t>5/15/2023</a:t>
+              <a:t>10/30/2024</a:t>
             </a:fld>
             <a:endParaRPr lang="en-US"/>
           </a:p>
@@ -1009,7 +1206,7 @@
           <a:p>
             <a:fld id="{A89855A6-DD4B-4241-986F-CCA37C16A694}" type="datetimeFigureOut">
               <a:rPr lang="en-US" smtClean="0"/>
-              <a:t>5/15/2023</a:t>
+              <a:t>10/30/2024</a:t>
             </a:fld>
             <a:endParaRPr lang="en-US"/>
           </a:p>
@@ -1241,7 +1438,7 @@
           <a:p>
             <a:fld id="{A89855A6-DD4B-4241-986F-CCA37C16A694}" type="datetimeFigureOut">
               <a:rPr lang="en-US" smtClean="0"/>
-              <a:t>5/15/2023</a:t>
+              <a:t>10/30/2024</a:t>
             </a:fld>
             <a:endParaRPr lang="en-US"/>
           </a:p>
@@ -1608,7 +1805,7 @@
           <a:p>
             <a:fld id="{A89855A6-DD4B-4241-986F-CCA37C16A694}" type="datetimeFigureOut">
               <a:rPr lang="en-US" smtClean="0"/>
-              <a:t>5/15/2023</a:t>
+              <a:t>10/30/2024</a:t>
             </a:fld>
             <a:endParaRPr lang="en-US"/>
           </a:p>
@@ -1726,7 +1923,7 @@
           <a:p>
             <a:fld id="{A89855A6-DD4B-4241-986F-CCA37C16A694}" type="datetimeFigureOut">
               <a:rPr lang="en-US" smtClean="0"/>
-              <a:t>5/15/2023</a:t>
+              <a:t>10/30/2024</a:t>
             </a:fld>
             <a:endParaRPr lang="en-US"/>
           </a:p>
@@ -1821,7 +2018,7 @@
           <a:p>
             <a:fld id="{A89855A6-DD4B-4241-986F-CCA37C16A694}" type="datetimeFigureOut">
               <a:rPr lang="en-US" smtClean="0"/>
-              <a:t>5/15/2023</a:t>
+              <a:t>10/30/2024</a:t>
             </a:fld>
             <a:endParaRPr lang="en-US"/>
           </a:p>
@@ -2098,7 +2295,7 @@
           <a:p>
             <a:fld id="{A89855A6-DD4B-4241-986F-CCA37C16A694}" type="datetimeFigureOut">
               <a:rPr lang="en-US" smtClean="0"/>
-              <a:t>5/15/2023</a:t>
+              <a:t>10/30/2024</a:t>
             </a:fld>
             <a:endParaRPr lang="en-US"/>
           </a:p>
@@ -2355,7 +2552,7 @@
           <a:p>
             <a:fld id="{A89855A6-DD4B-4241-986F-CCA37C16A694}" type="datetimeFigureOut">
               <a:rPr lang="en-US" smtClean="0"/>
-              <a:t>5/15/2023</a:t>
+              <a:t>10/30/2024</a:t>
             </a:fld>
             <a:endParaRPr lang="en-US"/>
           </a:p>
@@ -2568,7 +2765,7 @@
           <a:p>
             <a:fld id="{A89855A6-DD4B-4241-986F-CCA37C16A694}" type="datetimeFigureOut">
               <a:rPr lang="en-US" smtClean="0"/>
-              <a:t>5/15/2023</a:t>
+              <a:t>10/30/2024</a:t>
             </a:fld>
             <a:endParaRPr lang="en-US"/>
           </a:p>
@@ -2975,10 +3172,45 @@
       </p:grpSpPr>
       <p:pic>
         <p:nvPicPr>
-          <p:cNvPr id="11" name="Picture 10">
+          <p:cNvPr id="11" name="Picture 10" descr="Chart&#10;&#10;Description automatically generated">
             <a:extLst>
               <a:ext uri="{FF2B5EF4-FFF2-40B4-BE49-F238E27FC236}">
-                <a16:creationId xmlns:a16="http://schemas.microsoft.com/office/drawing/2014/main" id="{291A8130-6896-83AC-3223-EAEA07D5D15E}"/>
+                <a16:creationId xmlns:a16="http://schemas.microsoft.com/office/drawing/2014/main" id="{220EFA04-11B9-4060-7DFB-44ABF96FB404}"/>
+              </a:ext>
+            </a:extLst>
+          </p:cNvPr>
+          <p:cNvPicPr>
+            <a:picLocks noChangeAspect="1"/>
+          </p:cNvPicPr>
+          <p:nvPr/>
+        </p:nvPicPr>
+        <p:blipFill rotWithShape="1">
+          <a:blip r:embed="rId2">
+            <a:extLst>
+              <a:ext uri="{28A0092B-C50C-407E-A947-70E740481C1C}">
+                <a14:useLocalDpi xmlns:a14="http://schemas.microsoft.com/office/drawing/2010/main" val="0"/>
+              </a:ext>
+            </a:extLst>
+          </a:blip>
+          <a:srcRect l="11798"/>
+          <a:stretch/>
+        </p:blipFill>
+        <p:spPr>
+          <a:xfrm>
+            <a:off x="3617119" y="909855"/>
+            <a:ext cx="2442353" cy="2769021"/>
+          </a:xfrm>
+          <a:prstGeom prst="rect">
+            <a:avLst/>
+          </a:prstGeom>
+        </p:spPr>
+      </p:pic>
+      <p:pic>
+        <p:nvPicPr>
+          <p:cNvPr id="7" name="Picture 6" descr="Chart, diagram&#10;&#10;Description automatically generated">
+            <a:extLst>
+              <a:ext uri="{FF2B5EF4-FFF2-40B4-BE49-F238E27FC236}">
+                <a16:creationId xmlns:a16="http://schemas.microsoft.com/office/drawing/2014/main" id="{EE46095F-04B3-5CF1-9965-38FB7A632AC7}"/>
               </a:ext>
             </a:extLst>
           </p:cNvPr>
@@ -2988,7 +3220,7 @@
           <p:nvPr/>
         </p:nvPicPr>
         <p:blipFill>
-          <a:blip r:embed="rId2">
+          <a:blip r:embed="rId3">
             <a:extLst>
               <a:ext uri="{28A0092B-C50C-407E-A947-70E740481C1C}">
                 <a14:useLocalDpi xmlns:a14="http://schemas.microsoft.com/office/drawing/2010/main" val="0"/>
@@ -3001,43 +3233,8 @@
         </p:blipFill>
         <p:spPr>
           <a:xfrm>
-            <a:off x="731581" y="890825"/>
-            <a:ext cx="2790350" cy="2790350"/>
-          </a:xfrm>
-          <a:prstGeom prst="rect">
-            <a:avLst/>
-          </a:prstGeom>
-        </p:spPr>
-      </p:pic>
-      <p:pic>
-        <p:nvPicPr>
-          <p:cNvPr id="12" name="Picture 11">
-            <a:extLst>
-              <a:ext uri="{FF2B5EF4-FFF2-40B4-BE49-F238E27FC236}">
-                <a16:creationId xmlns:a16="http://schemas.microsoft.com/office/drawing/2014/main" id="{CC870978-00CA-1752-F3A1-C07A1DBD2559}"/>
-              </a:ext>
-            </a:extLst>
-          </p:cNvPr>
-          <p:cNvPicPr>
-            <a:picLocks noChangeAspect="1"/>
-          </p:cNvPicPr>
-          <p:nvPr/>
-        </p:nvPicPr>
-        <p:blipFill rotWithShape="1">
-          <a:blip r:embed="rId3">
-            <a:extLst>
-              <a:ext uri="{28A0092B-C50C-407E-A947-70E740481C1C}">
-                <a14:useLocalDpi xmlns:a14="http://schemas.microsoft.com/office/drawing/2010/main" val="0"/>
-              </a:ext>
-            </a:extLst>
-          </a:blip>
-          <a:srcRect l="11783"/>
-          <a:stretch/>
-        </p:blipFill>
-        <p:spPr>
-          <a:xfrm>
-            <a:off x="3601958" y="890825"/>
-            <a:ext cx="2461564" cy="2790350"/>
+            <a:off x="739807" y="901442"/>
+            <a:ext cx="2785846" cy="2785846"/>
           </a:xfrm>
           <a:prstGeom prst="rect">
             <a:avLst/>
@@ -3132,7 +3329,7 @@
         </p:nvSpPr>
         <p:spPr>
           <a:xfrm>
-            <a:off x="1082277" y="544208"/>
+            <a:off x="1072206" y="554785"/>
             <a:ext cx="2440989" cy="323165"/>
           </a:xfrm>
           <a:prstGeom prst="rect">
@@ -3171,7 +3368,7 @@
         </p:nvSpPr>
         <p:spPr>
           <a:xfrm>
-            <a:off x="3756516" y="544209"/>
+            <a:off x="3736065" y="544208"/>
             <a:ext cx="2152449" cy="323165"/>
           </a:xfrm>
           <a:prstGeom prst="rect">
@@ -3210,7 +3407,7 @@
         </p:nvSpPr>
         <p:spPr>
           <a:xfrm>
-            <a:off x="6599927" y="550116"/>
+            <a:off x="6637755" y="554785"/>
             <a:ext cx="1402948" cy="323165"/>
           </a:xfrm>
           <a:prstGeom prst="rect">
@@ -3226,16 +3423,12 @@
           <a:p>
             <a:pPr algn="ctr"/>
             <a:r>
-              <a:rPr lang="en-US" sz="1500" b="1">
+              <a:rPr lang="en-US" sz="1500" b="1" dirty="0">
                 <a:latin typeface="Arial" panose="020B0604020202020204" pitchFamily="34" charset="0"/>
                 <a:cs typeface="Arial" panose="020B0604020202020204" pitchFamily="34" charset="0"/>
               </a:rPr>
               <a:t>Hypoxia (DO)</a:t>
             </a:r>
-            <a:endParaRPr lang="en-US" sz="1500" b="1" dirty="0">
-              <a:latin typeface="Arial" panose="020B0604020202020204" pitchFamily="34" charset="0"/>
-              <a:cs typeface="Arial" panose="020B0604020202020204" pitchFamily="34" charset="0"/>
-            </a:endParaRPr>
           </a:p>
         </p:txBody>
       </p:sp>
@@ -3253,8 +3446,8 @@
         </p:nvSpPr>
         <p:spPr>
           <a:xfrm>
-            <a:off x="2576704" y="961270"/>
-            <a:ext cx="829074" cy="276999"/>
+            <a:off x="1881199" y="1007434"/>
+            <a:ext cx="1512016" cy="461665"/>
           </a:xfrm>
           <a:prstGeom prst="rect">
             <a:avLst/>
@@ -3275,40 +3468,9 @@
                 <a:latin typeface="Arial" panose="020B0604020202020204" pitchFamily="34" charset="0"/>
                 <a:cs typeface="Arial" panose="020B0604020202020204" pitchFamily="34" charset="0"/>
               </a:rPr>
-              <a:t>p = 0.223</a:t>
-            </a:r>
-          </a:p>
-        </p:txBody>
-      </p:sp>
-      <p:sp>
-        <p:nvSpPr>
-          <p:cNvPr id="14" name="TextBox 13">
-            <a:extLst>
-              <a:ext uri="{FF2B5EF4-FFF2-40B4-BE49-F238E27FC236}">
-                <a16:creationId xmlns:a16="http://schemas.microsoft.com/office/drawing/2014/main" id="{992DFD67-7687-D7B7-29FF-0F94035B0148}"/>
-              </a:ext>
-            </a:extLst>
-          </p:cNvPr>
-          <p:cNvSpPr txBox="1"/>
-          <p:nvPr/>
-        </p:nvSpPr>
-        <p:spPr>
-          <a:xfrm>
-            <a:off x="5147184" y="961269"/>
-            <a:ext cx="829074" cy="276999"/>
-          </a:xfrm>
-          <a:prstGeom prst="rect">
-            <a:avLst/>
-          </a:prstGeom>
-          <a:solidFill>
-            <a:schemeClr val="bg1"/>
-          </a:solidFill>
-        </p:spPr>
-        <p:txBody>
-          <a:bodyPr wrap="none" rtlCol="0">
-            <a:spAutoFit/>
-          </a:bodyPr>
-          <a:lstStyle/>
+              <a:t>Between: p = 0.687</a:t>
+            </a:r>
+          </a:p>
           <a:p>
             <a:pPr algn="r"/>
             <a:r>
@@ -3316,7 +3478,7 @@
                 <a:latin typeface="Arial" panose="020B0604020202020204" pitchFamily="34" charset="0"/>
                 <a:cs typeface="Arial" panose="020B0604020202020204" pitchFamily="34" charset="0"/>
               </a:rPr>
-              <a:t>p = 0.002</a:t>
+              <a:t>Within: p = 0.009</a:t>
             </a:r>
           </a:p>
         </p:txBody>
@@ -3991,6 +4153,219 @@
             <a:r>
               <a:rPr lang="en-US" sz="2400" b="1" dirty="0"/>
               <a:t>C</a:t>
+            </a:r>
+          </a:p>
+        </p:txBody>
+      </p:sp>
+      <p:pic>
+        <p:nvPicPr>
+          <p:cNvPr id="10" name="Picture 9" descr="Chart, line chart, histogram&#10;&#10;Description automatically generated">
+            <a:extLst>
+              <a:ext uri="{FF2B5EF4-FFF2-40B4-BE49-F238E27FC236}">
+                <a16:creationId xmlns:a16="http://schemas.microsoft.com/office/drawing/2014/main" id="{9E6C30F1-5E78-11F1-A2D1-A901F89D66BB}"/>
+              </a:ext>
+            </a:extLst>
+          </p:cNvPr>
+          <p:cNvPicPr>
+            <a:picLocks noChangeAspect="1"/>
+          </p:cNvPicPr>
+          <p:nvPr/>
+        </p:nvPicPr>
+        <p:blipFill rotWithShape="1">
+          <a:blip r:embed="rId5">
+            <a:extLst>
+              <a:ext uri="{28A0092B-C50C-407E-A947-70E740481C1C}">
+                <a14:useLocalDpi xmlns:a14="http://schemas.microsoft.com/office/drawing/2010/main" val="0"/>
+              </a:ext>
+            </a:extLst>
+          </a:blip>
+          <a:srcRect l="11576" b="7413"/>
+          <a:stretch/>
+        </p:blipFill>
+        <p:spPr>
+          <a:xfrm>
+            <a:off x="6129038" y="894078"/>
+            <a:ext cx="2461565" cy="2577489"/>
+          </a:xfrm>
+          <a:prstGeom prst="rect">
+            <a:avLst/>
+          </a:prstGeom>
+        </p:spPr>
+      </p:pic>
+      <p:sp>
+        <p:nvSpPr>
+          <p:cNvPr id="30" name="TextBox 29">
+            <a:extLst>
+              <a:ext uri="{FF2B5EF4-FFF2-40B4-BE49-F238E27FC236}">
+                <a16:creationId xmlns:a16="http://schemas.microsoft.com/office/drawing/2014/main" id="{9B5DD6F3-8733-B698-512B-3EB4C0D48A28}"/>
+              </a:ext>
+            </a:extLst>
+          </p:cNvPr>
+          <p:cNvSpPr txBox="1"/>
+          <p:nvPr/>
+        </p:nvSpPr>
+        <p:spPr>
+          <a:xfrm>
+            <a:off x="7113206" y="1007435"/>
+            <a:ext cx="1342034" cy="276999"/>
+          </a:xfrm>
+          <a:prstGeom prst="rect">
+            <a:avLst/>
+          </a:prstGeom>
+          <a:solidFill>
+            <a:schemeClr val="bg1"/>
+          </a:solidFill>
+        </p:spPr>
+        <p:txBody>
+          <a:bodyPr wrap="none" rtlCol="0">
+            <a:spAutoFit/>
+          </a:bodyPr>
+          <a:lstStyle/>
+          <a:p>
+            <a:pPr algn="r"/>
+            <a:r>
+              <a:rPr lang="en-US" sz="1200" dirty="0">
+                <a:latin typeface="Arial" panose="020B0604020202020204" pitchFamily="34" charset="0"/>
+                <a:cs typeface="Arial" panose="020B0604020202020204" pitchFamily="34" charset="0"/>
+              </a:rPr>
+              <a:t>Within: p = 0.753</a:t>
+            </a:r>
+          </a:p>
+        </p:txBody>
+      </p:sp>
+      <p:pic>
+        <p:nvPicPr>
+          <p:cNvPr id="24" name="Picture 23" descr="Chart, histogram&#10;&#10;Description automatically generated">
+            <a:extLst>
+              <a:ext uri="{FF2B5EF4-FFF2-40B4-BE49-F238E27FC236}">
+                <a16:creationId xmlns:a16="http://schemas.microsoft.com/office/drawing/2014/main" id="{6E7EDCCC-611F-FFBF-FBA0-E758B142B85B}"/>
+              </a:ext>
+            </a:extLst>
+          </p:cNvPr>
+          <p:cNvPicPr>
+            <a:picLocks noChangeAspect="1"/>
+          </p:cNvPicPr>
+          <p:nvPr/>
+        </p:nvPicPr>
+        <p:blipFill rotWithShape="1">
+          <a:blip r:embed="rId6">
+            <a:extLst>
+              <a:ext uri="{28A0092B-C50C-407E-A947-70E740481C1C}">
+                <a14:useLocalDpi xmlns:a14="http://schemas.microsoft.com/office/drawing/2010/main" val="0"/>
+              </a:ext>
+            </a:extLst>
+          </a:blip>
+          <a:srcRect l="11379" b="7479"/>
+          <a:stretch/>
+        </p:blipFill>
+        <p:spPr>
+          <a:xfrm>
+            <a:off x="6121739" y="901442"/>
+            <a:ext cx="2468864" cy="2577489"/>
+          </a:xfrm>
+          <a:prstGeom prst="rect">
+            <a:avLst/>
+          </a:prstGeom>
+        </p:spPr>
+      </p:pic>
+      <p:sp>
+        <p:nvSpPr>
+          <p:cNvPr id="31" name="TextBox 30">
+            <a:extLst>
+              <a:ext uri="{FF2B5EF4-FFF2-40B4-BE49-F238E27FC236}">
+                <a16:creationId xmlns:a16="http://schemas.microsoft.com/office/drawing/2014/main" id="{71EE7C83-30A1-F2DF-4FA2-A7E7896950B7}"/>
+              </a:ext>
+            </a:extLst>
+          </p:cNvPr>
+          <p:cNvSpPr txBox="1"/>
+          <p:nvPr/>
+        </p:nvSpPr>
+        <p:spPr>
+          <a:xfrm>
+            <a:off x="4426402" y="1007434"/>
+            <a:ext cx="1511953" cy="461665"/>
+          </a:xfrm>
+          <a:prstGeom prst="rect">
+            <a:avLst/>
+          </a:prstGeom>
+          <a:solidFill>
+            <a:schemeClr val="bg1"/>
+          </a:solidFill>
+        </p:spPr>
+        <p:txBody>
+          <a:bodyPr wrap="none" rtlCol="0">
+            <a:spAutoFit/>
+          </a:bodyPr>
+          <a:lstStyle/>
+          <a:p>
+            <a:pPr algn="r"/>
+            <a:r>
+              <a:rPr lang="en-US" sz="1200" dirty="0">
+                <a:latin typeface="Arial" panose="020B0604020202020204" pitchFamily="34" charset="0"/>
+                <a:cs typeface="Arial" panose="020B0604020202020204" pitchFamily="34" charset="0"/>
+              </a:rPr>
+              <a:t>Between: p = 0.001</a:t>
+            </a:r>
+          </a:p>
+          <a:p>
+            <a:pPr algn="r"/>
+            <a:r>
+              <a:rPr lang="en-US" sz="1200" dirty="0">
+                <a:latin typeface="Arial" panose="020B0604020202020204" pitchFamily="34" charset="0"/>
+                <a:cs typeface="Arial" panose="020B0604020202020204" pitchFamily="34" charset="0"/>
+              </a:rPr>
+              <a:t>Within: p = 0.020</a:t>
+            </a:r>
+          </a:p>
+        </p:txBody>
+      </p:sp>
+      <p:sp>
+        <p:nvSpPr>
+          <p:cNvPr id="32" name="TextBox 31">
+            <a:extLst>
+              <a:ext uri="{FF2B5EF4-FFF2-40B4-BE49-F238E27FC236}">
+                <a16:creationId xmlns:a16="http://schemas.microsoft.com/office/drawing/2014/main" id="{BBD529CD-3430-6989-3AFD-79AF633B6733}"/>
+              </a:ext>
+            </a:extLst>
+          </p:cNvPr>
+          <p:cNvSpPr txBox="1"/>
+          <p:nvPr/>
+        </p:nvSpPr>
+        <p:spPr>
+          <a:xfrm>
+            <a:off x="6943287" y="1006522"/>
+            <a:ext cx="1511953" cy="461665"/>
+          </a:xfrm>
+          <a:prstGeom prst="rect">
+            <a:avLst/>
+          </a:prstGeom>
+          <a:solidFill>
+            <a:schemeClr val="bg1"/>
+          </a:solidFill>
+        </p:spPr>
+        <p:txBody>
+          <a:bodyPr wrap="none" rtlCol="0">
+            <a:spAutoFit/>
+          </a:bodyPr>
+          <a:lstStyle/>
+          <a:p>
+            <a:pPr algn="r"/>
+            <a:r>
+              <a:rPr lang="en-US" sz="1200" dirty="0">
+                <a:latin typeface="Arial" panose="020B0604020202020204" pitchFamily="34" charset="0"/>
+                <a:cs typeface="Arial" panose="020B0604020202020204" pitchFamily="34" charset="0"/>
+              </a:rPr>
+              <a:t>Between: p = 0.796</a:t>
+            </a:r>
+          </a:p>
+          <a:p>
+            <a:pPr algn="r"/>
+            <a:r>
+              <a:rPr lang="en-US" sz="1200" dirty="0">
+                <a:latin typeface="Arial" panose="020B0604020202020204" pitchFamily="34" charset="0"/>
+                <a:cs typeface="Arial" panose="020B0604020202020204" pitchFamily="34" charset="0"/>
+              </a:rPr>
+              <a:t>Within: p = 0.742</a:t>
             </a:r>
           </a:p>
         </p:txBody>
